--- a/eduai/doc/mechanics/images/pics.pptx
+++ b/eduai/doc/mechanics/images/pics.pptx
@@ -10,6 +10,9 @@
     <p:sldId id="262" r:id="rId4"/>
     <p:sldId id="263" r:id="rId5"/>
     <p:sldId id="264" r:id="rId6"/>
+    <p:sldId id="265" r:id="rId7"/>
+    <p:sldId id="266" r:id="rId8"/>
+    <p:sldId id="267" r:id="rId9"/>
   </p:sldIdLst>
   <p:sldSz cx="9144000" cy="6858000" type="screen4x3"/>
   <p:notesSz cx="6858000" cy="9144000"/>
@@ -292,7 +295,7 @@
           <a:p>
             <a:fld id="{B4C71EC6-210F-42DE-9C53-41977AD35B3D}" type="datetimeFigureOut">
               <a:rPr lang="ru-RU" smtClean="0"/>
-              <a:t>28.09.2018</a:t>
+              <a:t>05.10.2018</a:t>
             </a:fld>
             <a:endParaRPr lang="ru-RU"/>
           </a:p>
@@ -457,7 +460,7 @@
           <a:p>
             <a:fld id="{B4C71EC6-210F-42DE-9C53-41977AD35B3D}" type="datetimeFigureOut">
               <a:rPr lang="ru-RU" smtClean="0"/>
-              <a:t>28.09.2018</a:t>
+              <a:t>05.10.2018</a:t>
             </a:fld>
             <a:endParaRPr lang="ru-RU"/>
           </a:p>
@@ -632,7 +635,7 @@
           <a:p>
             <a:fld id="{B4C71EC6-210F-42DE-9C53-41977AD35B3D}" type="datetimeFigureOut">
               <a:rPr lang="ru-RU" smtClean="0"/>
-              <a:t>28.09.2018</a:t>
+              <a:t>05.10.2018</a:t>
             </a:fld>
             <a:endParaRPr lang="ru-RU"/>
           </a:p>
@@ -797,7 +800,7 @@
           <a:p>
             <a:fld id="{B4C71EC6-210F-42DE-9C53-41977AD35B3D}" type="datetimeFigureOut">
               <a:rPr lang="ru-RU" smtClean="0"/>
-              <a:t>28.09.2018</a:t>
+              <a:t>05.10.2018</a:t>
             </a:fld>
             <a:endParaRPr lang="ru-RU"/>
           </a:p>
@@ -1038,7 +1041,7 @@
           <a:p>
             <a:fld id="{B4C71EC6-210F-42DE-9C53-41977AD35B3D}" type="datetimeFigureOut">
               <a:rPr lang="ru-RU" smtClean="0"/>
-              <a:t>28.09.2018</a:t>
+              <a:t>05.10.2018</a:t>
             </a:fld>
             <a:endParaRPr lang="ru-RU"/>
           </a:p>
@@ -1321,7 +1324,7 @@
           <a:p>
             <a:fld id="{B4C71EC6-210F-42DE-9C53-41977AD35B3D}" type="datetimeFigureOut">
               <a:rPr lang="ru-RU" smtClean="0"/>
-              <a:t>28.09.2018</a:t>
+              <a:t>05.10.2018</a:t>
             </a:fld>
             <a:endParaRPr lang="ru-RU"/>
           </a:p>
@@ -1738,7 +1741,7 @@
           <a:p>
             <a:fld id="{B4C71EC6-210F-42DE-9C53-41977AD35B3D}" type="datetimeFigureOut">
               <a:rPr lang="ru-RU" smtClean="0"/>
-              <a:t>28.09.2018</a:t>
+              <a:t>05.10.2018</a:t>
             </a:fld>
             <a:endParaRPr lang="ru-RU"/>
           </a:p>
@@ -1851,7 +1854,7 @@
           <a:p>
             <a:fld id="{B4C71EC6-210F-42DE-9C53-41977AD35B3D}" type="datetimeFigureOut">
               <a:rPr lang="ru-RU" smtClean="0"/>
-              <a:t>28.09.2018</a:t>
+              <a:t>05.10.2018</a:t>
             </a:fld>
             <a:endParaRPr lang="ru-RU"/>
           </a:p>
@@ -1941,7 +1944,7 @@
           <a:p>
             <a:fld id="{B4C71EC6-210F-42DE-9C53-41977AD35B3D}" type="datetimeFigureOut">
               <a:rPr lang="ru-RU" smtClean="0"/>
-              <a:t>28.09.2018</a:t>
+              <a:t>05.10.2018</a:t>
             </a:fld>
             <a:endParaRPr lang="ru-RU"/>
           </a:p>
@@ -2213,7 +2216,7 @@
           <a:p>
             <a:fld id="{B4C71EC6-210F-42DE-9C53-41977AD35B3D}" type="datetimeFigureOut">
               <a:rPr lang="ru-RU" smtClean="0"/>
-              <a:t>28.09.2018</a:t>
+              <a:t>05.10.2018</a:t>
             </a:fld>
             <a:endParaRPr lang="ru-RU"/>
           </a:p>
@@ -2461,7 +2464,7 @@
           <a:p>
             <a:fld id="{B4C71EC6-210F-42DE-9C53-41977AD35B3D}" type="datetimeFigureOut">
               <a:rPr lang="ru-RU" smtClean="0"/>
-              <a:t>28.09.2018</a:t>
+              <a:t>05.10.2018</a:t>
             </a:fld>
             <a:endParaRPr lang="ru-RU"/>
           </a:p>
@@ -2669,7 +2672,7 @@
           <a:p>
             <a:fld id="{B4C71EC6-210F-42DE-9C53-41977AD35B3D}" type="datetimeFigureOut">
               <a:rPr lang="ru-RU" smtClean="0"/>
-              <a:t>28.09.2018</a:t>
+              <a:t>05.10.2018</a:t>
             </a:fld>
             <a:endParaRPr lang="ru-RU"/>
           </a:p>
@@ -3815,6 +3818,649 @@
 </p:sld>
 </file>
 
+<file path=ppt/slides/slide6.xml><?xml version="1.0" encoding="utf-8"?>
+<p:sld xmlns:a="http://schemas.openxmlformats.org/drawingml/2006/main" xmlns:r="http://schemas.openxmlformats.org/officeDocument/2006/relationships" xmlns:p="http://schemas.openxmlformats.org/presentationml/2006/main">
+  <p:cSld>
+    <p:spTree>
+      <p:nvGrpSpPr>
+        <p:cNvPr id="1" name=""/>
+        <p:cNvGrpSpPr/>
+        <p:nvPr/>
+      </p:nvGrpSpPr>
+      <p:grpSpPr>
+        <a:xfrm>
+          <a:off x="0" y="0"/>
+          <a:ext cx="0" cy="0"/>
+          <a:chOff x="0" y="0"/>
+          <a:chExt cx="0" cy="0"/>
+        </a:xfrm>
+      </p:grpSpPr>
+      <p:pic>
+        <p:nvPicPr>
+          <p:cNvPr id="1026" name="Picture 2" descr="C:\Users\mark\Desktop\NL!A. Сайт\nla_site\content\eduai\doc\mechanics\images\pocast1.jpg"/>
+          <p:cNvPicPr>
+            <a:picLocks noChangeAspect="1" noChangeArrowheads="1"/>
+          </p:cNvPicPr>
+          <p:nvPr/>
+        </p:nvPicPr>
+        <p:blipFill>
+          <a:blip r:embed="rId2">
+            <a:extLst>
+              <a:ext uri="{28A0092B-C50C-407E-A947-70E740481C1C}">
+                <a14:useLocalDpi xmlns:a14="http://schemas.microsoft.com/office/drawing/2010/main" val="0"/>
+              </a:ext>
+            </a:extLst>
+          </a:blip>
+          <a:srcRect/>
+          <a:stretch>
+            <a:fillRect/>
+          </a:stretch>
+        </p:blipFill>
+        <p:spPr bwMode="auto">
+          <a:xfrm>
+            <a:off x="611560" y="100630"/>
+            <a:ext cx="3744416" cy="6656740"/>
+          </a:xfrm>
+          <a:prstGeom prst="rect">
+            <a:avLst/>
+          </a:prstGeom>
+          <a:noFill/>
+          <a:extLst>
+            <a:ext uri="{909E8E84-426E-40DD-AFC4-6F175D3DCCD1}">
+              <a14:hiddenFill xmlns:a14="http://schemas.microsoft.com/office/drawing/2010/main">
+                <a:solidFill>
+                  <a:srgbClr val="FFFFFF"/>
+                </a:solidFill>
+              </a14:hiddenFill>
+            </a:ext>
+          </a:extLst>
+        </p:spPr>
+      </p:pic>
+      <p:pic>
+        <p:nvPicPr>
+          <p:cNvPr id="1027" name="Picture 3" descr="C:\Users\mark\Desktop\NL!A. Сайт\nla_site\content\eduai\doc\mechanics\images\procast2.jpg"/>
+          <p:cNvPicPr>
+            <a:picLocks noChangeAspect="1" noChangeArrowheads="1"/>
+          </p:cNvPicPr>
+          <p:nvPr/>
+        </p:nvPicPr>
+        <p:blipFill>
+          <a:blip r:embed="rId3">
+            <a:extLst>
+              <a:ext uri="{28A0092B-C50C-407E-A947-70E740481C1C}">
+                <a14:useLocalDpi xmlns:a14="http://schemas.microsoft.com/office/drawing/2010/main" val="0"/>
+              </a:ext>
+            </a:extLst>
+          </a:blip>
+          <a:srcRect/>
+          <a:stretch>
+            <a:fillRect/>
+          </a:stretch>
+        </p:blipFill>
+        <p:spPr bwMode="auto">
+          <a:xfrm>
+            <a:off x="4932040" y="100630"/>
+            <a:ext cx="3744416" cy="6656740"/>
+          </a:xfrm>
+          <a:prstGeom prst="rect">
+            <a:avLst/>
+          </a:prstGeom>
+          <a:noFill/>
+          <a:extLst>
+            <a:ext uri="{909E8E84-426E-40DD-AFC4-6F175D3DCCD1}">
+              <a14:hiddenFill xmlns:a14="http://schemas.microsoft.com/office/drawing/2010/main">
+                <a:solidFill>
+                  <a:srgbClr val="FFFFFF"/>
+                </a:solidFill>
+              </a14:hiddenFill>
+            </a:ext>
+          </a:extLst>
+        </p:spPr>
+      </p:pic>
+    </p:spTree>
+    <p:extLst>
+      <p:ext uri="{BB962C8B-B14F-4D97-AF65-F5344CB8AC3E}">
+        <p14:creationId xmlns:p14="http://schemas.microsoft.com/office/powerpoint/2010/main" val="3936224727"/>
+      </p:ext>
+    </p:extLst>
+  </p:cSld>
+  <p:clrMapOvr>
+    <a:masterClrMapping/>
+  </p:clrMapOvr>
+</p:sld>
+</file>
+
+<file path=ppt/slides/slide7.xml><?xml version="1.0" encoding="utf-8"?>
+<p:sld xmlns:a="http://schemas.openxmlformats.org/drawingml/2006/main" xmlns:r="http://schemas.openxmlformats.org/officeDocument/2006/relationships" xmlns:p="http://schemas.openxmlformats.org/presentationml/2006/main">
+  <p:cSld>
+    <p:spTree>
+      <p:nvGrpSpPr>
+        <p:cNvPr id="1" name=""/>
+        <p:cNvGrpSpPr/>
+        <p:nvPr/>
+      </p:nvGrpSpPr>
+      <p:grpSpPr>
+        <a:xfrm>
+          <a:off x="0" y="0"/>
+          <a:ext cx="0" cy="0"/>
+          <a:chOff x="0" y="0"/>
+          <a:chExt cx="0" cy="0"/>
+        </a:xfrm>
+      </p:grpSpPr>
+      <p:pic>
+        <p:nvPicPr>
+          <p:cNvPr id="1027" name="Picture 3"/>
+          <p:cNvPicPr>
+            <a:picLocks noChangeAspect="1" noChangeArrowheads="1"/>
+          </p:cNvPicPr>
+          <p:nvPr/>
+        </p:nvPicPr>
+        <p:blipFill>
+          <a:blip r:embed="rId2">
+            <a:extLst>
+              <a:ext uri="{28A0092B-C50C-407E-A947-70E740481C1C}">
+                <a14:useLocalDpi xmlns:a14="http://schemas.microsoft.com/office/drawing/2010/main" val="0"/>
+              </a:ext>
+            </a:extLst>
+          </a:blip>
+          <a:srcRect/>
+          <a:stretch>
+            <a:fillRect/>
+          </a:stretch>
+        </p:blipFill>
+        <p:spPr bwMode="auto">
+          <a:xfrm>
+            <a:off x="4932040" y="1191"/>
+            <a:ext cx="3744415" cy="6656738"/>
+          </a:xfrm>
+          <a:prstGeom prst="rect">
+            <a:avLst/>
+          </a:prstGeom>
+          <a:ln>
+            <a:noFill/>
+          </a:ln>
+          <a:effectLst>
+            <a:outerShdw blurRad="292100" dist="139700" dir="2700000" algn="tl" rotWithShape="0">
+              <a:srgbClr val="333333">
+                <a:alpha val="65000"/>
+              </a:srgbClr>
+            </a:outerShdw>
+          </a:effectLst>
+          <a:extLst>
+            <a:ext uri="{909E8E84-426E-40DD-AFC4-6F175D3DCCD1}">
+              <a14:hiddenFill xmlns:a14="http://schemas.microsoft.com/office/drawing/2010/main">
+                <a:solidFill>
+                  <a:schemeClr val="accent1"/>
+                </a:solidFill>
+              </a14:hiddenFill>
+            </a:ext>
+            <a:ext uri="{91240B29-F687-4F45-9708-019B960494DF}">
+              <a14:hiddenLine xmlns:a14="http://schemas.microsoft.com/office/drawing/2010/main" w="9525">
+                <a:solidFill>
+                  <a:schemeClr val="tx1"/>
+                </a:solidFill>
+                <a:miter lim="800000"/>
+                <a:headEnd/>
+                <a:tailEnd/>
+              </a14:hiddenLine>
+            </a:ext>
+          </a:extLst>
+        </p:spPr>
+      </p:pic>
+      <p:sp>
+        <p:nvSpPr>
+          <p:cNvPr id="6" name="Прямоугольник 5"/>
+          <p:cNvSpPr/>
+          <p:nvPr/>
+        </p:nvSpPr>
+        <p:spPr>
+          <a:xfrm>
+            <a:off x="5004048" y="5229200"/>
+            <a:ext cx="3384376" cy="1368152"/>
+          </a:xfrm>
+          <a:prstGeom prst="rect">
+            <a:avLst/>
+          </a:prstGeom>
+          <a:solidFill>
+            <a:schemeClr val="bg1"/>
+          </a:solidFill>
+          <a:ln>
+            <a:noFill/>
+          </a:ln>
+        </p:spPr>
+        <p:style>
+          <a:lnRef idx="2">
+            <a:schemeClr val="accent1">
+              <a:shade val="50000"/>
+            </a:schemeClr>
+          </a:lnRef>
+          <a:fillRef idx="1">
+            <a:schemeClr val="accent1"/>
+          </a:fillRef>
+          <a:effectRef idx="0">
+            <a:schemeClr val="accent1"/>
+          </a:effectRef>
+          <a:fontRef idx="minor">
+            <a:schemeClr val="lt1"/>
+          </a:fontRef>
+        </p:style>
+        <p:txBody>
+          <a:bodyPr rtlCol="0" anchor="ctr"/>
+          <a:lstStyle/>
+          <a:p>
+            <a:pPr algn="ctr"/>
+            <a:endParaRPr lang="ru-RU"/>
+          </a:p>
+        </p:txBody>
+      </p:sp>
+      <p:pic>
+        <p:nvPicPr>
+          <p:cNvPr id="4" name="Picture 2" descr="C:\Users\mark\Desktop\NL!A. Сайт\nla_site\content\eduai\doc\mechanics\images\pocast1.jpg"/>
+          <p:cNvPicPr>
+            <a:picLocks noChangeAspect="1" noChangeArrowheads="1"/>
+          </p:cNvPicPr>
+          <p:nvPr/>
+        </p:nvPicPr>
+        <p:blipFill>
+          <a:blip r:embed="rId3">
+            <a:extLst>
+              <a:ext uri="{28A0092B-C50C-407E-A947-70E740481C1C}">
+                <a14:useLocalDpi xmlns:a14="http://schemas.microsoft.com/office/drawing/2010/main" val="0"/>
+              </a:ext>
+            </a:extLst>
+          </a:blip>
+          <a:srcRect/>
+          <a:stretch>
+            <a:fillRect/>
+          </a:stretch>
+        </p:blipFill>
+        <p:spPr bwMode="auto">
+          <a:xfrm>
+            <a:off x="611560" y="100630"/>
+            <a:ext cx="3744416" cy="6656740"/>
+          </a:xfrm>
+          <a:prstGeom prst="rect">
+            <a:avLst/>
+          </a:prstGeom>
+          <a:noFill/>
+          <a:extLst>
+            <a:ext uri="{909E8E84-426E-40DD-AFC4-6F175D3DCCD1}">
+              <a14:hiddenFill xmlns:a14="http://schemas.microsoft.com/office/drawing/2010/main">
+                <a:solidFill>
+                  <a:srgbClr val="FFFFFF"/>
+                </a:solidFill>
+              </a14:hiddenFill>
+            </a:ext>
+          </a:extLst>
+        </p:spPr>
+      </p:pic>
+      <p:pic>
+        <p:nvPicPr>
+          <p:cNvPr id="1026" name="Picture 2"/>
+          <p:cNvPicPr>
+            <a:picLocks noChangeAspect="1" noChangeArrowheads="1"/>
+          </p:cNvPicPr>
+          <p:nvPr/>
+        </p:nvPicPr>
+        <p:blipFill>
+          <a:blip r:embed="rId4">
+            <a:extLst>
+              <a:ext uri="{28A0092B-C50C-407E-A947-70E740481C1C}">
+                <a14:useLocalDpi xmlns:a14="http://schemas.microsoft.com/office/drawing/2010/main" val="0"/>
+              </a:ext>
+            </a:extLst>
+          </a:blip>
+          <a:srcRect/>
+          <a:stretch>
+            <a:fillRect/>
+          </a:stretch>
+        </p:blipFill>
+        <p:spPr bwMode="auto">
+          <a:xfrm>
+            <a:off x="613123" y="1191"/>
+            <a:ext cx="3742853" cy="6654634"/>
+          </a:xfrm>
+          <a:prstGeom prst="rect">
+            <a:avLst/>
+          </a:prstGeom>
+          <a:ln>
+            <a:noFill/>
+          </a:ln>
+          <a:effectLst>
+            <a:outerShdw blurRad="292100" dist="139700" dir="2700000" algn="tl" rotWithShape="0">
+              <a:srgbClr val="333333">
+                <a:alpha val="65000"/>
+              </a:srgbClr>
+            </a:outerShdw>
+          </a:effectLst>
+          <a:extLst>
+            <a:ext uri="{909E8E84-426E-40DD-AFC4-6F175D3DCCD1}">
+              <a14:hiddenFill xmlns:a14="http://schemas.microsoft.com/office/drawing/2010/main">
+                <a:solidFill>
+                  <a:schemeClr val="accent1"/>
+                </a:solidFill>
+              </a14:hiddenFill>
+            </a:ext>
+            <a:ext uri="{91240B29-F687-4F45-9708-019B960494DF}">
+              <a14:hiddenLine xmlns:a14="http://schemas.microsoft.com/office/drawing/2010/main" w="9525">
+                <a:solidFill>
+                  <a:schemeClr val="tx1"/>
+                </a:solidFill>
+                <a:miter lim="800000"/>
+                <a:headEnd/>
+                <a:tailEnd/>
+              </a14:hiddenLine>
+            </a:ext>
+          </a:extLst>
+        </p:spPr>
+      </p:pic>
+      <p:pic>
+        <p:nvPicPr>
+          <p:cNvPr id="8" name="Picture 3"/>
+          <p:cNvPicPr>
+            <a:picLocks noChangeAspect="1" noChangeArrowheads="1"/>
+          </p:cNvPicPr>
+          <p:nvPr/>
+        </p:nvPicPr>
+        <p:blipFill rotWithShape="1">
+          <a:blip r:embed="rId2">
+            <a:extLst>
+              <a:ext uri="{28A0092B-C50C-407E-A947-70E740481C1C}">
+                <a14:useLocalDpi xmlns:a14="http://schemas.microsoft.com/office/drawing/2010/main" val="0"/>
+              </a:ext>
+            </a:extLst>
+          </a:blip>
+          <a:srcRect l="6411" t="23592" r="3031" b="1430"/>
+          <a:stretch/>
+        </p:blipFill>
+        <p:spPr bwMode="auto">
+          <a:xfrm>
+            <a:off x="5157936" y="1208112"/>
+            <a:ext cx="3390900" cy="4991100"/>
+          </a:xfrm>
+          <a:prstGeom prst="rect">
+            <a:avLst/>
+          </a:prstGeom>
+          <a:noFill/>
+          <a:ln>
+            <a:noFill/>
+          </a:ln>
+          <a:extLst>
+            <a:ext uri="{909E8E84-426E-40DD-AFC4-6F175D3DCCD1}">
+              <a14:hiddenFill xmlns:a14="http://schemas.microsoft.com/office/drawing/2010/main">
+                <a:solidFill>
+                  <a:schemeClr val="accent1"/>
+                </a:solidFill>
+              </a14:hiddenFill>
+            </a:ext>
+            <a:ext uri="{91240B29-F687-4F45-9708-019B960494DF}">
+              <a14:hiddenLine xmlns:a14="http://schemas.microsoft.com/office/drawing/2010/main" w="9525">
+                <a:solidFill>
+                  <a:schemeClr val="tx1"/>
+                </a:solidFill>
+                <a:miter lim="800000"/>
+                <a:headEnd/>
+                <a:tailEnd/>
+              </a14:hiddenLine>
+            </a:ext>
+          </a:extLst>
+        </p:spPr>
+      </p:pic>
+    </p:spTree>
+    <p:extLst>
+      <p:ext uri="{BB962C8B-B14F-4D97-AF65-F5344CB8AC3E}">
+        <p14:creationId xmlns:p14="http://schemas.microsoft.com/office/powerpoint/2010/main" val="1798113621"/>
+      </p:ext>
+    </p:extLst>
+  </p:cSld>
+  <p:clrMapOvr>
+    <a:masterClrMapping/>
+  </p:clrMapOvr>
+</p:sld>
+</file>
+
+<file path=ppt/slides/slide8.xml><?xml version="1.0" encoding="utf-8"?>
+<p:sld xmlns:a="http://schemas.openxmlformats.org/drawingml/2006/main" xmlns:r="http://schemas.openxmlformats.org/officeDocument/2006/relationships" xmlns:p="http://schemas.openxmlformats.org/presentationml/2006/main">
+  <p:cSld>
+    <p:spTree>
+      <p:nvGrpSpPr>
+        <p:cNvPr id="1" name=""/>
+        <p:cNvGrpSpPr/>
+        <p:nvPr/>
+      </p:nvGrpSpPr>
+      <p:grpSpPr>
+        <a:xfrm>
+          <a:off x="0" y="0"/>
+          <a:ext cx="0" cy="0"/>
+          <a:chOff x="0" y="0"/>
+          <a:chExt cx="0" cy="0"/>
+        </a:xfrm>
+      </p:grpSpPr>
+      <p:pic>
+        <p:nvPicPr>
+          <p:cNvPr id="2050" name="Picture 2"/>
+          <p:cNvPicPr>
+            <a:picLocks noChangeAspect="1" noChangeArrowheads="1"/>
+          </p:cNvPicPr>
+          <p:nvPr/>
+        </p:nvPicPr>
+        <p:blipFill rotWithShape="1">
+          <a:blip r:embed="rId2">
+            <a:extLst>
+              <a:ext uri="{28A0092B-C50C-407E-A947-70E740481C1C}">
+                <a14:useLocalDpi xmlns:a14="http://schemas.microsoft.com/office/drawing/2010/main" val="0"/>
+              </a:ext>
+            </a:extLst>
+          </a:blip>
+          <a:srcRect l="32431" t="30247" r="45000" b="56297"/>
+          <a:stretch/>
+        </p:blipFill>
+        <p:spPr bwMode="auto">
+          <a:xfrm>
+            <a:off x="479574" y="332656"/>
+            <a:ext cx="4127500" cy="1384300"/>
+          </a:xfrm>
+          <a:prstGeom prst="rect">
+            <a:avLst/>
+          </a:prstGeom>
+          <a:noFill/>
+          <a:ln>
+            <a:noFill/>
+          </a:ln>
+          <a:extLst>
+            <a:ext uri="{909E8E84-426E-40DD-AFC4-6F175D3DCCD1}">
+              <a14:hiddenFill xmlns:a14="http://schemas.microsoft.com/office/drawing/2010/main">
+                <a:solidFill>
+                  <a:schemeClr val="accent1"/>
+                </a:solidFill>
+              </a14:hiddenFill>
+            </a:ext>
+            <a:ext uri="{91240B29-F687-4F45-9708-019B960494DF}">
+              <a14:hiddenLine xmlns:a14="http://schemas.microsoft.com/office/drawing/2010/main" w="9525">
+                <a:solidFill>
+                  <a:schemeClr val="tx1"/>
+                </a:solidFill>
+                <a:miter lim="800000"/>
+                <a:headEnd/>
+                <a:tailEnd/>
+              </a14:hiddenLine>
+            </a:ext>
+          </a:extLst>
+        </p:spPr>
+      </p:pic>
+      <p:pic>
+        <p:nvPicPr>
+          <p:cNvPr id="5" name="Picture 2"/>
+          <p:cNvPicPr>
+            <a:picLocks noChangeAspect="1" noChangeArrowheads="1"/>
+          </p:cNvPicPr>
+          <p:nvPr/>
+        </p:nvPicPr>
+        <p:blipFill rotWithShape="1">
+          <a:blip r:embed="rId2">
+            <a:extLst>
+              <a:ext uri="{28A0092B-C50C-407E-A947-70E740481C1C}">
+                <a14:useLocalDpi xmlns:a14="http://schemas.microsoft.com/office/drawing/2010/main" val="0"/>
+              </a:ext>
+            </a:extLst>
+          </a:blip>
+          <a:srcRect l="10069" t="48255" r="67362" b="8892"/>
+          <a:stretch/>
+        </p:blipFill>
+        <p:spPr bwMode="auto">
+          <a:xfrm>
+            <a:off x="516508" y="1628800"/>
+            <a:ext cx="4127500" cy="4408636"/>
+          </a:xfrm>
+          <a:prstGeom prst="rect">
+            <a:avLst/>
+          </a:prstGeom>
+          <a:noFill/>
+          <a:ln>
+            <a:noFill/>
+          </a:ln>
+          <a:extLst>
+            <a:ext uri="{909E8E84-426E-40DD-AFC4-6F175D3DCCD1}">
+              <a14:hiddenFill xmlns:a14="http://schemas.microsoft.com/office/drawing/2010/main">
+                <a:solidFill>
+                  <a:schemeClr val="accent1"/>
+                </a:solidFill>
+              </a14:hiddenFill>
+            </a:ext>
+            <a:ext uri="{91240B29-F687-4F45-9708-019B960494DF}">
+              <a14:hiddenLine xmlns:a14="http://schemas.microsoft.com/office/drawing/2010/main" w="9525">
+                <a:solidFill>
+                  <a:schemeClr val="tx1"/>
+                </a:solidFill>
+                <a:miter lim="800000"/>
+                <a:headEnd/>
+                <a:tailEnd/>
+              </a14:hiddenLine>
+            </a:ext>
+          </a:extLst>
+        </p:spPr>
+      </p:pic>
+      <p:pic>
+        <p:nvPicPr>
+          <p:cNvPr id="2051" name="Picture 3"/>
+          <p:cNvPicPr>
+            <a:picLocks noChangeAspect="1" noChangeArrowheads="1"/>
+          </p:cNvPicPr>
+          <p:nvPr/>
+        </p:nvPicPr>
+        <p:blipFill>
+          <a:blip r:embed="rId3">
+            <a:extLst>
+              <a:ext uri="{28A0092B-C50C-407E-A947-70E740481C1C}">
+                <a14:useLocalDpi xmlns:a14="http://schemas.microsoft.com/office/drawing/2010/main" val="0"/>
+              </a:ext>
+            </a:extLst>
+          </a:blip>
+          <a:srcRect/>
+          <a:stretch>
+            <a:fillRect/>
+          </a:stretch>
+        </p:blipFill>
+        <p:spPr bwMode="auto">
+          <a:xfrm>
+            <a:off x="4607074" y="325016"/>
+            <a:ext cx="4162425" cy="1447800"/>
+          </a:xfrm>
+          <a:prstGeom prst="rect">
+            <a:avLst/>
+          </a:prstGeom>
+          <a:noFill/>
+          <a:ln>
+            <a:noFill/>
+          </a:ln>
+          <a:extLst>
+            <a:ext uri="{909E8E84-426E-40DD-AFC4-6F175D3DCCD1}">
+              <a14:hiddenFill xmlns:a14="http://schemas.microsoft.com/office/drawing/2010/main">
+                <a:solidFill>
+                  <a:schemeClr val="accent1"/>
+                </a:solidFill>
+              </a14:hiddenFill>
+            </a:ext>
+            <a:ext uri="{91240B29-F687-4F45-9708-019B960494DF}">
+              <a14:hiddenLine xmlns:a14="http://schemas.microsoft.com/office/drawing/2010/main" w="9525">
+                <a:solidFill>
+                  <a:schemeClr val="tx1"/>
+                </a:solidFill>
+                <a:miter lim="800000"/>
+                <a:headEnd/>
+                <a:tailEnd/>
+              </a14:hiddenLine>
+            </a:ext>
+          </a:extLst>
+        </p:spPr>
+      </p:pic>
+      <p:pic>
+        <p:nvPicPr>
+          <p:cNvPr id="2052" name="Picture 4"/>
+          <p:cNvPicPr>
+            <a:picLocks noChangeAspect="1" noChangeArrowheads="1"/>
+          </p:cNvPicPr>
+          <p:nvPr/>
+        </p:nvPicPr>
+        <p:blipFill>
+          <a:blip r:embed="rId4">
+            <a:extLst>
+              <a:ext uri="{28A0092B-C50C-407E-A947-70E740481C1C}">
+                <a14:useLocalDpi xmlns:a14="http://schemas.microsoft.com/office/drawing/2010/main" val="0"/>
+              </a:ext>
+            </a:extLst>
+          </a:blip>
+          <a:srcRect/>
+          <a:stretch>
+            <a:fillRect/>
+          </a:stretch>
+        </p:blipFill>
+        <p:spPr bwMode="auto">
+          <a:xfrm>
+            <a:off x="4648522" y="1676747"/>
+            <a:ext cx="4171950" cy="4162425"/>
+          </a:xfrm>
+          <a:prstGeom prst="rect">
+            <a:avLst/>
+          </a:prstGeom>
+          <a:noFill/>
+          <a:ln>
+            <a:noFill/>
+          </a:ln>
+          <a:extLst>
+            <a:ext uri="{909E8E84-426E-40DD-AFC4-6F175D3DCCD1}">
+              <a14:hiddenFill xmlns:a14="http://schemas.microsoft.com/office/drawing/2010/main">
+                <a:solidFill>
+                  <a:schemeClr val="accent1"/>
+                </a:solidFill>
+              </a14:hiddenFill>
+            </a:ext>
+            <a:ext uri="{91240B29-F687-4F45-9708-019B960494DF}">
+              <a14:hiddenLine xmlns:a14="http://schemas.microsoft.com/office/drawing/2010/main" w="9525">
+                <a:solidFill>
+                  <a:schemeClr val="tx1"/>
+                </a:solidFill>
+                <a:miter lim="800000"/>
+                <a:headEnd/>
+                <a:tailEnd/>
+              </a14:hiddenLine>
+            </a:ext>
+          </a:extLst>
+        </p:spPr>
+      </p:pic>
+    </p:spTree>
+    <p:extLst>
+      <p:ext uri="{BB962C8B-B14F-4D97-AF65-F5344CB8AC3E}">
+        <p14:creationId xmlns:p14="http://schemas.microsoft.com/office/powerpoint/2010/main" val="1575962039"/>
+      </p:ext>
+    </p:extLst>
+  </p:cSld>
+  <p:clrMapOvr>
+    <a:masterClrMapping/>
+  </p:clrMapOvr>
+</p:sld>
+</file>
+
 <file path=ppt/theme/theme1.xml><?xml version="1.0" encoding="utf-8"?>
 <a:theme xmlns:a="http://schemas.openxmlformats.org/drawingml/2006/main" name="Тема Office">
   <a:themeElements>
